--- a/Slides/Azure and Terraform Workshop - Chapter 3.pptx
+++ b/Slides/Azure and Terraform Workshop - Chapter 3.pptx
@@ -5,7 +5,7 @@
     <p:sldMasterId id="2147483648" r:id="rId1"/>
   </p:sldMasterIdLst>
   <p:notesMasterIdLst>
-    <p:notesMasterId r:id="rId41"/>
+    <p:notesMasterId r:id="rId40"/>
   </p:notesMasterIdLst>
   <p:sldIdLst>
     <p:sldId id="256" r:id="rId2"/>
@@ -44,9 +44,8 @@
     <p:sldId id="287" r:id="rId35"/>
     <p:sldId id="288" r:id="rId36"/>
     <p:sldId id="289" r:id="rId37"/>
-    <p:sldId id="295" r:id="rId38"/>
-    <p:sldId id="290" r:id="rId39"/>
-    <p:sldId id="291" r:id="rId40"/>
+    <p:sldId id="290" r:id="rId38"/>
+    <p:sldId id="291" r:id="rId39"/>
   </p:sldIdLst>
   <p:sldSz cx="12192000" cy="6858000"/>
   <p:notesSz cx="6858000" cy="9144000"/>
@@ -348,6 +347,11 @@
       </a:defRPr>
     </a:lvl9pPr>
   </p:defaultTextStyle>
+  <p:extLst>
+    <p:ext uri="{EFAFB233-063F-42B5-8137-9DF3F51BA10A}">
+      <p15:sldGuideLst xmlns:p15="http://schemas.microsoft.com/office/powerpoint/2012/main"/>
+    </p:ext>
+  </p:extLst>
 </p:presentation>
 </file>
 
@@ -951,6 +955,15 @@
               <a:t>This goes inside your 'training' folder.</a:t>
             </a:r>
           </a:p>
+          <a:p>
+            <a:endParaRPr lang="en-US" dirty="0"/>
+          </a:p>
+          <a:p>
+            <a:r>
+              <a:rPr lang="en-US" dirty="0"/>
+              <a:t>NOTE:  I vote to remove these slides.  Modules are complex, you should learn to use them first before you learn to create them.</a:t>
+            </a:r>
+          </a:p>
         </p:txBody>
       </p:sp>
     </p:spTree>
@@ -1281,7 +1294,7 @@
       </p:grpSpPr>
       <p:sp>
         <p:nvSpPr>
-          <p:cNvPr id="289" name="Shape 289"/>
+          <p:cNvPr id="2" name="Slide Image Placeholder 1"/>
           <p:cNvSpPr>
             <a:spLocks noGrp="1" noRot="1" noChangeAspect="1"/>
           </p:cNvSpPr>
@@ -1294,56 +1307,36 @@
             <a:off x="381000" y="685800"/>
             <a:ext cx="6096000" cy="3429000"/>
           </a:xfrm>
-          <a:prstGeom prst="rect">
-            <a:avLst/>
-          </a:prstGeom>
-        </p:spPr>
-        <p:txBody>
-          <a:bodyPr/>
-          <a:lstStyle/>
-          <a:p>
-            <a:endParaRPr/>
-          </a:p>
-        </p:txBody>
+        </p:spPr>
       </p:sp>
       <p:sp>
         <p:nvSpPr>
-          <p:cNvPr id="290" name="Shape 290"/>
+          <p:cNvPr id="3" name="Notes Placeholder 2"/>
           <p:cNvSpPr>
             <a:spLocks noGrp="1"/>
           </p:cNvSpPr>
           <p:nvPr>
-            <p:ph type="body" sz="quarter" idx="1"/>
+            <p:ph type="body" idx="1"/>
           </p:nvPr>
         </p:nvSpPr>
-        <p:spPr>
-          <a:prstGeom prst="rect">
-            <a:avLst/>
-          </a:prstGeom>
-        </p:spPr>
+        <p:spPr/>
         <p:txBody>
           <a:bodyPr/>
-          <a:lstStyle>
-            <a:lvl1pPr defTabSz="457200">
-              <a:lnSpc>
-                <a:spcPct val="117999"/>
-              </a:lnSpc>
-              <a:defRPr sz="2200">
-                <a:latin typeface="+mj-lt"/>
-                <a:ea typeface="+mj-ea"/>
-                <a:cs typeface="+mj-cs"/>
-                <a:sym typeface="Helvetica"/>
-              </a:defRPr>
-            </a:lvl1pPr>
-          </a:lstStyle>
-          <a:p>
-            <a:r>
-              <a:t>It is not possible to access the resources inside of the module individually. If you need access to a resources' attributes, you must output them.</a:t>
+          <a:lstStyle/>
+          <a:p>
+            <a:r>
+              <a:rPr lang="en-US" dirty="0"/>
+              <a:t>Add some whiteboarding here to really drive home exactly what a module is.  It's a black box with configurable inputs and outputs.  </a:t>
             </a:r>
           </a:p>
         </p:txBody>
       </p:sp>
     </p:spTree>
+    <p:extLst>
+      <p:ext uri="{BB962C8B-B14F-4D97-AF65-F5344CB8AC3E}">
+        <p14:creationId xmlns:p14="http://schemas.microsoft.com/office/powerpoint/2010/main" val="3089700799"/>
+      </p:ext>
+    </p:extLst>
   </p:cSld>
   <p:clrMapOvr>
     <a:masterClrMapping/>
@@ -1427,17 +1420,14 @@
           </a:lstStyle>
           <a:p>
             <a:r>
+              <a:rPr dirty="0"/>
               <a:t>It is not possible to access the resources inside of the module individually. If you need access to a resources' attributes, you must output them.</a:t>
             </a:r>
+            <a:endParaRPr lang="en-US" dirty="0"/>
           </a:p>
         </p:txBody>
       </p:sp>
     </p:spTree>
-    <p:extLst>
-      <p:ext uri="{BB962C8B-B14F-4D97-AF65-F5344CB8AC3E}">
-        <p14:creationId xmlns:p14="http://schemas.microsoft.com/office/powerpoint/2010/main" val="1686094355"/>
-      </p:ext>
-    </p:extLst>
   </p:cSld>
   <p:clrMapOvr>
     <a:masterClrMapping/>
@@ -2354,7 +2344,7 @@
             <a:effectLst/>
             <a:extLst>
               <a:ext uri="{C572A759-6A51-4108-AA02-DFA0A04FC94B}">
-                <ma14:wrappingTextBoxFlag xmlns:ma14="http://schemas.microsoft.com/office/mac/drawingml/2011/main" xmlns="" val="1"/>
+                <ma14:wrappingTextBoxFlag xmlns="" xmlns:ma14="http://schemas.microsoft.com/office/mac/drawingml/2011/main" val="1"/>
               </a:ext>
             </a:extLst>
           </p:spPr>
@@ -5037,7 +5027,7 @@
           </a:ln>
           <a:extLst>
             <a:ext uri="{C572A759-6A51-4108-AA02-DFA0A04FC94B}">
-              <ma14:wrappingTextBoxFlag xmlns:ma14="http://schemas.microsoft.com/office/mac/drawingml/2011/main" xmlns="" val="1"/>
+              <ma14:wrappingTextBoxFlag xmlns="" xmlns:ma14="http://schemas.microsoft.com/office/mac/drawingml/2011/main" val="1"/>
             </a:ext>
           </a:extLst>
         </p:spPr>
@@ -5221,7 +5211,7 @@
           </a:ln>
           <a:extLst>
             <a:ext uri="{C572A759-6A51-4108-AA02-DFA0A04FC94B}">
-              <ma14:wrappingTextBoxFlag xmlns:ma14="http://schemas.microsoft.com/office/mac/drawingml/2011/main" xmlns="" val="1"/>
+              <ma14:wrappingTextBoxFlag xmlns="" xmlns:ma14="http://schemas.microsoft.com/office/mac/drawingml/2011/main" val="1"/>
             </a:ext>
           </a:extLst>
         </p:spPr>
@@ -5260,7 +5250,7 @@
           </a:ln>
           <a:extLst>
             <a:ext uri="{C572A759-6A51-4108-AA02-DFA0A04FC94B}">
-              <ma14:wrappingTextBoxFlag xmlns:ma14="http://schemas.microsoft.com/office/mac/drawingml/2011/main" xmlns="" val="1"/>
+              <ma14:wrappingTextBoxFlag xmlns="" xmlns:ma14="http://schemas.microsoft.com/office/mac/drawingml/2011/main" val="1"/>
             </a:ext>
           </a:extLst>
         </p:spPr>
@@ -7003,7 +6993,7 @@
           </a:ln>
           <a:extLst>
             <a:ext uri="{C572A759-6A51-4108-AA02-DFA0A04FC94B}">
-              <ma14:wrappingTextBoxFlag xmlns:ma14="http://schemas.microsoft.com/office/mac/drawingml/2011/main" xmlns="" val="1"/>
+              <ma14:wrappingTextBoxFlag xmlns="" xmlns:ma14="http://schemas.microsoft.com/office/mac/drawingml/2011/main" val="1"/>
             </a:ext>
           </a:extLst>
         </p:spPr>
@@ -7673,7 +7663,7 @@
           </a:ln>
           <a:extLst>
             <a:ext uri="{C572A759-6A51-4108-AA02-DFA0A04FC94B}">
-              <ma14:wrappingTextBoxFlag xmlns:ma14="http://schemas.microsoft.com/office/mac/drawingml/2011/main" xmlns="" val="1"/>
+              <ma14:wrappingTextBoxFlag xmlns="" xmlns:ma14="http://schemas.microsoft.com/office/mac/drawingml/2011/main" val="1"/>
             </a:ext>
           </a:extLst>
         </p:spPr>
@@ -8519,7 +8509,7 @@
           </a:prstGeom>
           <a:extLst>
             <a:ext uri="{C572A759-6A51-4108-AA02-DFA0A04FC94B}">
-              <ma14:wrappingTextBoxFlag xmlns:ma14="http://schemas.microsoft.com/office/mac/drawingml/2011/main" xmlns="" val="1"/>
+              <ma14:wrappingTextBoxFlag xmlns="" xmlns:ma14="http://schemas.microsoft.com/office/mac/drawingml/2011/main" val="1"/>
             </a:ext>
           </a:extLst>
         </p:spPr>
@@ -9017,7 +9007,7 @@
           </a:ln>
           <a:extLst>
             <a:ext uri="{C572A759-6A51-4108-AA02-DFA0A04FC94B}">
-              <ma14:wrappingTextBoxFlag xmlns:ma14="http://schemas.microsoft.com/office/mac/drawingml/2011/main" xmlns="" val="1"/>
+              <ma14:wrappingTextBoxFlag xmlns="" xmlns:ma14="http://schemas.microsoft.com/office/mac/drawingml/2011/main" val="1"/>
             </a:ext>
           </a:extLst>
         </p:spPr>
@@ -11648,7 +11638,7 @@
 </file>
 
 <file path=ppt/slides/slide31.xml><?xml version="1.0" encoding="utf-8"?>
-<p:sld xmlns:a="http://schemas.openxmlformats.org/drawingml/2006/main" xmlns:r="http://schemas.openxmlformats.org/officeDocument/2006/relationships" xmlns:p="http://schemas.openxmlformats.org/presentationml/2006/main">
+<p:sld xmlns:a="http://schemas.openxmlformats.org/drawingml/2006/main" xmlns:r="http://schemas.openxmlformats.org/officeDocument/2006/relationships" xmlns:p="http://schemas.openxmlformats.org/presentationml/2006/main" show="0">
   <p:cSld>
     <p:spTree>
       <p:nvGrpSpPr>
@@ -11746,7 +11736,7 @@
 </file>
 
 <file path=ppt/slides/slide32.xml><?xml version="1.0" encoding="utf-8"?>
-<p:sld xmlns:a="http://schemas.openxmlformats.org/drawingml/2006/main" xmlns:r="http://schemas.openxmlformats.org/officeDocument/2006/relationships" xmlns:p="http://schemas.openxmlformats.org/presentationml/2006/main">
+<p:sld xmlns:a="http://schemas.openxmlformats.org/drawingml/2006/main" xmlns:r="http://schemas.openxmlformats.org/officeDocument/2006/relationships" xmlns:p="http://schemas.openxmlformats.org/presentationml/2006/main" show="0">
   <p:cSld>
     <p:spTree>
       <p:nvGrpSpPr>
@@ -11782,7 +11772,7 @@
           </a:prstGeom>
           <a:extLst>
             <a:ext uri="{C572A759-6A51-4108-AA02-DFA0A04FC94B}">
-              <ma14:wrappingTextBoxFlag xmlns:ma14="http://schemas.microsoft.com/office/mac/drawingml/2011/main" xmlns="" val="1"/>
+              <ma14:wrappingTextBoxFlag xmlns="" xmlns:ma14="http://schemas.microsoft.com/office/mac/drawingml/2011/main" val="1"/>
             </a:ext>
           </a:extLst>
         </p:spPr>
@@ -12451,7 +12441,7 @@
           </a:prstGeom>
           <a:extLst>
             <a:ext uri="{C572A759-6A51-4108-AA02-DFA0A04FC94B}">
-              <ma14:wrappingTextBoxFlag xmlns:ma14="http://schemas.microsoft.com/office/mac/drawingml/2011/main" xmlns="" val="1"/>
+              <ma14:wrappingTextBoxFlag xmlns="" xmlns:ma14="http://schemas.microsoft.com/office/mac/drawingml/2011/main" val="1"/>
             </a:ext>
           </a:extLst>
         </p:spPr>
@@ -12494,7 +12484,7 @@
 </file>
 
 <file path=ppt/slides/slide33.xml><?xml version="1.0" encoding="utf-8"?>
-<p:sld xmlns:a="http://schemas.openxmlformats.org/drawingml/2006/main" xmlns:r="http://schemas.openxmlformats.org/officeDocument/2006/relationships" xmlns:p="http://schemas.openxmlformats.org/presentationml/2006/main">
+<p:sld xmlns:a="http://schemas.openxmlformats.org/drawingml/2006/main" xmlns:r="http://schemas.openxmlformats.org/officeDocument/2006/relationships" xmlns:p="http://schemas.openxmlformats.org/presentationml/2006/main" show="0">
   <p:cSld>
     <p:spTree>
       <p:nvGrpSpPr>
@@ -12530,7 +12520,7 @@
           </a:prstGeom>
           <a:extLst>
             <a:ext uri="{C572A759-6A51-4108-AA02-DFA0A04FC94B}">
-              <ma14:wrappingTextBoxFlag xmlns:ma14="http://schemas.microsoft.com/office/mac/drawingml/2011/main" xmlns="" val="1"/>
+              <ma14:wrappingTextBoxFlag xmlns="" xmlns:ma14="http://schemas.microsoft.com/office/mac/drawingml/2011/main" val="1"/>
             </a:ext>
           </a:extLst>
         </p:spPr>
@@ -12701,7 +12691,7 @@
           </a:prstGeom>
           <a:extLst>
             <a:ext uri="{C572A759-6A51-4108-AA02-DFA0A04FC94B}">
-              <ma14:wrappingTextBoxFlag xmlns:ma14="http://schemas.microsoft.com/office/mac/drawingml/2011/main" xmlns="" val="1"/>
+              <ma14:wrappingTextBoxFlag xmlns="" xmlns:ma14="http://schemas.microsoft.com/office/mac/drawingml/2011/main" val="1"/>
             </a:ext>
           </a:extLst>
         </p:spPr>
@@ -12744,7 +12734,7 @@
 </file>
 
 <file path=ppt/slides/slide34.xml><?xml version="1.0" encoding="utf-8"?>
-<p:sld xmlns:a="http://schemas.openxmlformats.org/drawingml/2006/main" xmlns:r="http://schemas.openxmlformats.org/officeDocument/2006/relationships" xmlns:p="http://schemas.openxmlformats.org/presentationml/2006/main">
+<p:sld xmlns:a="http://schemas.openxmlformats.org/drawingml/2006/main" xmlns:r="http://schemas.openxmlformats.org/officeDocument/2006/relationships" xmlns:p="http://schemas.openxmlformats.org/presentationml/2006/main" show="0">
   <p:cSld>
     <p:spTree>
       <p:nvGrpSpPr>
@@ -12780,7 +12770,7 @@
           </a:prstGeom>
           <a:extLst>
             <a:ext uri="{C572A759-6A51-4108-AA02-DFA0A04FC94B}">
-              <ma14:wrappingTextBoxFlag xmlns:ma14="http://schemas.microsoft.com/office/mac/drawingml/2011/main" xmlns="" val="1"/>
+              <ma14:wrappingTextBoxFlag xmlns="" xmlns:ma14="http://schemas.microsoft.com/office/mac/drawingml/2011/main" val="1"/>
             </a:ext>
           </a:extLst>
         </p:spPr>
@@ -12917,7 +12907,7 @@
           </a:prstGeom>
           <a:extLst>
             <a:ext uri="{C572A759-6A51-4108-AA02-DFA0A04FC94B}">
-              <ma14:wrappingTextBoxFlag xmlns:ma14="http://schemas.microsoft.com/office/mac/drawingml/2011/main" xmlns="" val="1"/>
+              <ma14:wrappingTextBoxFlag xmlns="" xmlns:ma14="http://schemas.microsoft.com/office/mac/drawingml/2011/main" val="1"/>
             </a:ext>
           </a:extLst>
         </p:spPr>
@@ -13091,7 +13081,7 @@
           </a:prstGeom>
           <a:extLst>
             <a:ext uri="{C572A759-6A51-4108-AA02-DFA0A04FC94B}">
-              <ma14:wrappingTextBoxFlag xmlns:ma14="http://schemas.microsoft.com/office/mac/drawingml/2011/main" xmlns="" val="1"/>
+              <ma14:wrappingTextBoxFlag xmlns="" xmlns:ma14="http://schemas.microsoft.com/office/mac/drawingml/2011/main" val="1"/>
             </a:ext>
           </a:extLst>
         </p:spPr>
@@ -13344,7 +13334,7 @@
           </a:prstGeom>
           <a:extLst>
             <a:ext uri="{C572A759-6A51-4108-AA02-DFA0A04FC94B}">
-              <ma14:wrappingTextBoxFlag xmlns:ma14="http://schemas.microsoft.com/office/mac/drawingml/2011/main" xmlns="" val="1"/>
+              <ma14:wrappingTextBoxFlag xmlns="" xmlns:ma14="http://schemas.microsoft.com/office/mac/drawingml/2011/main" val="1"/>
             </a:ext>
           </a:extLst>
         </p:spPr>
@@ -13604,119 +13594,6 @@
       </p:grpSpPr>
       <p:sp>
         <p:nvSpPr>
-          <p:cNvPr id="285" name="module &quot;my-module&quot; {…"/>
-          <p:cNvSpPr txBox="1">
-            <a:spLocks noGrp="1"/>
-          </p:cNvSpPr>
-          <p:nvPr>
-            <p:ph type="body" idx="13"/>
-          </p:nvPr>
-        </p:nvSpPr>
-        <p:spPr>
-          <a:xfrm>
-            <a:off x="3128486" y="1293828"/>
-            <a:ext cx="8335328" cy="291234"/>
-          </a:xfrm>
-          <a:prstGeom prst="rect">
-            <a:avLst/>
-          </a:prstGeom>
-          <a:extLst>
-            <a:ext uri="{C572A759-6A51-4108-AA02-DFA0A04FC94B}">
-              <ma14:wrappingTextBoxFlag xmlns:ma14="http://schemas.microsoft.com/office/mac/drawingml/2011/main" xmlns="" val="1"/>
-            </a:ext>
-          </a:extLst>
-        </p:spPr>
-        <p:txBody>
-          <a:bodyPr/>
-          <a:lstStyle/>
-          <a:p>
-            <a:endParaRPr lang="en-US" sz="1500" dirty="0">
-              <a:latin typeface="Consolas" panose="020B0609020204030204" pitchFamily="49" charset="0"/>
-            </a:endParaRPr>
-          </a:p>
-        </p:txBody>
-      </p:sp>
-      <p:sp>
-        <p:nvSpPr>
-          <p:cNvPr id="286" name="main.tf"/>
-          <p:cNvSpPr txBox="1">
-            <a:spLocks noGrp="1"/>
-          </p:cNvSpPr>
-          <p:nvPr>
-            <p:ph type="body" idx="14"/>
-          </p:nvPr>
-        </p:nvSpPr>
-        <p:spPr>
-          <a:prstGeom prst="rect">
-            <a:avLst/>
-          </a:prstGeom>
-          <a:extLst>
-            <a:ext uri="{C572A759-6A51-4108-AA02-DFA0A04FC94B}">
-              <ma14:wrappingTextBoxFlag xmlns:ma14="http://schemas.microsoft.com/office/mac/drawingml/2011/main" xmlns="" val="1"/>
-            </a:ext>
-          </a:extLst>
-        </p:spPr>
-        <p:txBody>
-          <a:bodyPr/>
-          <a:lstStyle>
-            <a:lvl1pPr algn="ctr">
-              <a:lnSpc>
-                <a:spcPct val="100000"/>
-              </a:lnSpc>
-              <a:spcBef>
-                <a:spcPts val="0"/>
-              </a:spcBef>
-              <a:defRPr sz="1200" b="1">
-                <a:solidFill>
-                  <a:srgbClr val="FFFFFF"/>
-                </a:solidFill>
-                <a:latin typeface="Courier"/>
-                <a:ea typeface="Courier"/>
-                <a:cs typeface="Courier"/>
-                <a:sym typeface="Courier"/>
-              </a:defRPr>
-            </a:lvl1pPr>
-          </a:lstStyle>
-          <a:p>
-            <a:r>
-              <a:t>main.tf</a:t>
-            </a:r>
-          </a:p>
-        </p:txBody>
-      </p:sp>
-    </p:spTree>
-    <p:extLst>
-      <p:ext uri="{BB962C8B-B14F-4D97-AF65-F5344CB8AC3E}">
-        <p14:creationId xmlns:p14="http://schemas.microsoft.com/office/powerpoint/2010/main" val="835882380"/>
-      </p:ext>
-    </p:extLst>
-  </p:cSld>
-  <p:clrMapOvr>
-    <a:masterClrMapping/>
-  </p:clrMapOvr>
-  <p:transition spd="med"/>
-</p:sld>
-</file>
-
-<file path=ppt/slides/slide38.xml><?xml version="1.0" encoding="utf-8"?>
-<p:sld xmlns:a="http://schemas.openxmlformats.org/drawingml/2006/main" xmlns:r="http://schemas.openxmlformats.org/officeDocument/2006/relationships" xmlns:p="http://schemas.openxmlformats.org/presentationml/2006/main">
-  <p:cSld>
-    <p:spTree>
-      <p:nvGrpSpPr>
-        <p:cNvPr id="1" name=""/>
-        <p:cNvGrpSpPr/>
-        <p:nvPr/>
-      </p:nvGrpSpPr>
-      <p:grpSpPr>
-        <a:xfrm>
-          <a:off x="0" y="0"/>
-          <a:ext cx="0" cy="0"/>
-          <a:chOff x="0" y="0"/>
-          <a:chExt cx="0" cy="0"/>
-        </a:xfrm>
-      </p:grpSpPr>
-      <p:sp>
-        <p:nvSpPr>
           <p:cNvPr id="292" name="Community Modules"/>
           <p:cNvSpPr txBox="1">
             <a:spLocks noGrp="1"/>
@@ -13778,7 +13655,7 @@
 </p:sld>
 </file>
 
-<file path=ppt/slides/slide39.xml><?xml version="1.0" encoding="utf-8"?>
+<file path=ppt/slides/slide38.xml><?xml version="1.0" encoding="utf-8"?>
 <p:sld xmlns:a="http://schemas.openxmlformats.org/drawingml/2006/main" xmlns:r="http://schemas.openxmlformats.org/officeDocument/2006/relationships" xmlns:p="http://schemas.openxmlformats.org/presentationml/2006/main">
   <p:cSld>
     <p:spTree>
@@ -14284,7 +14161,7 @@
           </a:prstGeom>
           <a:extLst>
             <a:ext uri="{C572A759-6A51-4108-AA02-DFA0A04FC94B}">
-              <ma14:wrappingTextBoxFlag xmlns:ma14="http://schemas.microsoft.com/office/mac/drawingml/2011/main" xmlns="" val="1"/>
+              <ma14:wrappingTextBoxFlag xmlns="" xmlns:ma14="http://schemas.microsoft.com/office/mac/drawingml/2011/main" val="1"/>
             </a:ext>
           </a:extLst>
         </p:spPr>
